--- a/Sonic_project.pptx
+++ b/Sonic_project.pptx
@@ -8,7 +8,9 @@
     <p:sldId id="256" r:id="rId2"/>
     <p:sldId id="258" r:id="rId3"/>
     <p:sldId id="259" r:id="rId4"/>
-    <p:sldId id="261" r:id="rId5"/>
+    <p:sldId id="262" r:id="rId5"/>
+    <p:sldId id="261" r:id="rId6"/>
+    <p:sldId id="263" r:id="rId7"/>
   </p:sldIdLst>
   <p:sldSz cx="12192000" cy="6858000"/>
   <p:notesSz cx="6858000" cy="9144000"/>
@@ -262,7 +264,7 @@
           <a:p>
             <a:fld id="{1728EC37-F5B9-4892-8E7F-38667408919E}" type="datetimeFigureOut">
               <a:rPr lang="ko-KR" altLang="en-US" smtClean="0"/>
-              <a:t>2021-12-29</a:t>
+              <a:t>2021-12-30</a:t>
             </a:fld>
             <a:endParaRPr lang="ko-KR" altLang="en-US"/>
           </a:p>
@@ -460,7 +462,7 @@
           <a:p>
             <a:fld id="{1728EC37-F5B9-4892-8E7F-38667408919E}" type="datetimeFigureOut">
               <a:rPr lang="ko-KR" altLang="en-US" smtClean="0"/>
-              <a:t>2021-12-29</a:t>
+              <a:t>2021-12-30</a:t>
             </a:fld>
             <a:endParaRPr lang="ko-KR" altLang="en-US"/>
           </a:p>
@@ -668,7 +670,7 @@
           <a:p>
             <a:fld id="{1728EC37-F5B9-4892-8E7F-38667408919E}" type="datetimeFigureOut">
               <a:rPr lang="ko-KR" altLang="en-US" smtClean="0"/>
-              <a:t>2021-12-29</a:t>
+              <a:t>2021-12-30</a:t>
             </a:fld>
             <a:endParaRPr lang="ko-KR" altLang="en-US"/>
           </a:p>
@@ -866,7 +868,7 @@
           <a:p>
             <a:fld id="{1728EC37-F5B9-4892-8E7F-38667408919E}" type="datetimeFigureOut">
               <a:rPr lang="ko-KR" altLang="en-US" smtClean="0"/>
-              <a:t>2021-12-29</a:t>
+              <a:t>2021-12-30</a:t>
             </a:fld>
             <a:endParaRPr lang="ko-KR" altLang="en-US"/>
           </a:p>
@@ -1141,7 +1143,7 @@
           <a:p>
             <a:fld id="{1728EC37-F5B9-4892-8E7F-38667408919E}" type="datetimeFigureOut">
               <a:rPr lang="ko-KR" altLang="en-US" smtClean="0"/>
-              <a:t>2021-12-29</a:t>
+              <a:t>2021-12-30</a:t>
             </a:fld>
             <a:endParaRPr lang="ko-KR" altLang="en-US"/>
           </a:p>
@@ -1406,7 +1408,7 @@
           <a:p>
             <a:fld id="{1728EC37-F5B9-4892-8E7F-38667408919E}" type="datetimeFigureOut">
               <a:rPr lang="ko-KR" altLang="en-US" smtClean="0"/>
-              <a:t>2021-12-29</a:t>
+              <a:t>2021-12-30</a:t>
             </a:fld>
             <a:endParaRPr lang="ko-KR" altLang="en-US"/>
           </a:p>
@@ -1818,7 +1820,7 @@
           <a:p>
             <a:fld id="{1728EC37-F5B9-4892-8E7F-38667408919E}" type="datetimeFigureOut">
               <a:rPr lang="ko-KR" altLang="en-US" smtClean="0"/>
-              <a:t>2021-12-29</a:t>
+              <a:t>2021-12-30</a:t>
             </a:fld>
             <a:endParaRPr lang="ko-KR" altLang="en-US"/>
           </a:p>
@@ -1959,7 +1961,7 @@
           <a:p>
             <a:fld id="{1728EC37-F5B9-4892-8E7F-38667408919E}" type="datetimeFigureOut">
               <a:rPr lang="ko-KR" altLang="en-US" smtClean="0"/>
-              <a:t>2021-12-29</a:t>
+              <a:t>2021-12-30</a:t>
             </a:fld>
             <a:endParaRPr lang="ko-KR" altLang="en-US"/>
           </a:p>
@@ -2072,7 +2074,7 @@
           <a:p>
             <a:fld id="{1728EC37-F5B9-4892-8E7F-38667408919E}" type="datetimeFigureOut">
               <a:rPr lang="ko-KR" altLang="en-US" smtClean="0"/>
-              <a:t>2021-12-29</a:t>
+              <a:t>2021-12-30</a:t>
             </a:fld>
             <a:endParaRPr lang="ko-KR" altLang="en-US"/>
           </a:p>
@@ -2383,7 +2385,7 @@
           <a:p>
             <a:fld id="{1728EC37-F5B9-4892-8E7F-38667408919E}" type="datetimeFigureOut">
               <a:rPr lang="ko-KR" altLang="en-US" smtClean="0"/>
-              <a:t>2021-12-29</a:t>
+              <a:t>2021-12-30</a:t>
             </a:fld>
             <a:endParaRPr lang="ko-KR" altLang="en-US"/>
           </a:p>
@@ -2671,7 +2673,7 @@
           <a:p>
             <a:fld id="{1728EC37-F5B9-4892-8E7F-38667408919E}" type="datetimeFigureOut">
               <a:rPr lang="ko-KR" altLang="en-US" smtClean="0"/>
-              <a:t>2021-12-29</a:t>
+              <a:t>2021-12-30</a:t>
             </a:fld>
             <a:endParaRPr lang="ko-KR" altLang="en-US"/>
           </a:p>
@@ -2912,7 +2914,7 @@
           <a:p>
             <a:fld id="{1728EC37-F5B9-4892-8E7F-38667408919E}" type="datetimeFigureOut">
               <a:rPr lang="ko-KR" altLang="en-US" smtClean="0"/>
-              <a:t>2021-12-29</a:t>
+              <a:t>2021-12-30</a:t>
             </a:fld>
             <a:endParaRPr lang="ko-KR" altLang="en-US"/>
           </a:p>
@@ -3356,7 +3358,7 @@
                   <a:srgbClr val="0070C0"/>
                 </a:solidFill>
               </a:rPr>
-              <a:t>Sonic Project Hero</a:t>
+              <a:t>Sonic Project</a:t>
             </a:r>
             <a:endParaRPr lang="ko-KR" altLang="en-US" b="1" dirty="0">
               <a:solidFill>
@@ -3501,11 +3503,11 @@
           <a:p>
             <a:r>
               <a:rPr lang="en-US" altLang="ko-KR" dirty="0"/>
-              <a:t>Sonic Forces</a:t>
+              <a:t>Sonic</a:t>
             </a:r>
             <a:r>
               <a:rPr lang="ko-KR" altLang="en-US" dirty="0"/>
-              <a:t>를 </a:t>
+              <a:t>을 </a:t>
             </a:r>
             <a:r>
               <a:rPr lang="en-US" altLang="ko-KR" dirty="0"/>
@@ -3585,14 +3587,14 @@
           <p:nvPr>
             <p:extLst>
               <p:ext uri="{D42A27DB-BD31-4B8C-83A1-F6EECF244321}">
-                <p14:modId xmlns:p14="http://schemas.microsoft.com/office/powerpoint/2010/main" val="1399787730"/>
+                <p14:modId xmlns:p14="http://schemas.microsoft.com/office/powerpoint/2010/main" val="838722034"/>
               </p:ext>
             </p:extLst>
           </p:nvPr>
         </p:nvGraphicFramePr>
         <p:xfrm>
           <a:off x="7766050" y="2057400"/>
-          <a:ext cx="3530600" cy="2743200"/>
+          <a:ext cx="3530600" cy="3291840"/>
         </p:xfrm>
         <a:graphic>
           <a:graphicData uri="http://schemas.openxmlformats.org/drawingml/2006/table">
@@ -4072,6 +4074,39 @@
                         <a:t>: shift</a:t>
                       </a:r>
                     </a:p>
+                    <a:p>
+                      <a:pPr marL="285750" indent="-285750" algn="l" latinLnBrk="1">
+                        <a:buFontTx/>
+                        <a:buChar char="-"/>
+                      </a:pPr>
+                      <a:endParaRPr lang="en-US" altLang="ko-KR" b="0" dirty="0">
+                        <a:solidFill>
+                          <a:schemeClr val="tx1"/>
+                        </a:solidFill>
+                      </a:endParaRPr>
+                    </a:p>
+                    <a:p>
+                      <a:pPr marL="285750" indent="-285750" algn="l" latinLnBrk="1">
+                        <a:buFontTx/>
+                        <a:buChar char="-"/>
+                      </a:pPr>
+                      <a:r>
+                        <a:rPr lang="ko-KR" altLang="en-US" b="0" dirty="0">
+                          <a:solidFill>
+                            <a:schemeClr val="tx1"/>
+                          </a:solidFill>
+                        </a:rPr>
+                        <a:t>재시작</a:t>
+                      </a:r>
+                      <a:r>
+                        <a:rPr lang="en-US" altLang="ko-KR" b="0" dirty="0">
+                          <a:solidFill>
+                            <a:schemeClr val="tx1"/>
+                          </a:solidFill>
+                        </a:rPr>
+                        <a:t>: r</a:t>
+                      </a:r>
+                    </a:p>
                   </a:txBody>
                   <a:tcPr anchor="ctr">
                     <a:lnL w="12700" cap="flat" cmpd="sng" algn="ctr">
@@ -4310,7 +4345,18 @@
               <a:rPr lang="ko-KR" altLang="en-US" dirty="0"/>
               <a:t>대시</a:t>
             </a:r>
-            <a:endParaRPr lang="en-US" altLang="ko-KR" dirty="0"/>
+            <a:r>
+              <a:rPr lang="en-US" altLang="ko-KR" dirty="0"/>
+              <a:t>(</a:t>
+            </a:r>
+            <a:r>
+              <a:rPr lang="ko-KR" altLang="en-US" dirty="0"/>
+              <a:t>공격</a:t>
+            </a:r>
+            <a:r>
+              <a:rPr lang="en-US" altLang="ko-KR" dirty="0"/>
+              <a:t>)</a:t>
+            </a:r>
           </a:p>
           <a:p>
             <a:r>
@@ -4504,6 +4550,14 @@
               <a:rPr lang="ko-KR" altLang="en-US" dirty="0"/>
               <a:t>획득</a:t>
             </a:r>
+            <a:r>
+              <a:rPr lang="en-US" altLang="ko-KR" dirty="0"/>
+              <a:t>/</a:t>
+            </a:r>
+            <a:r>
+              <a:rPr lang="ko-KR" altLang="en-US" dirty="0"/>
+              <a:t>사용</a:t>
+            </a:r>
             <a:endParaRPr lang="en-US" altLang="ko-KR" dirty="0"/>
           </a:p>
           <a:p>
@@ -4587,13 +4641,7 @@
             <a:endParaRPr lang="en-US" altLang="ko-KR" dirty="0"/>
           </a:p>
           <a:p>
-            <a:endParaRPr lang="en-US" altLang="ko-KR" b="1" dirty="0"/>
-          </a:p>
-          <a:p>
-            <a:r>
-              <a:rPr lang="en-US" altLang="ko-KR" dirty="0"/>
-              <a:t>  </a:t>
-            </a:r>
+            <a:endParaRPr lang="en-US" altLang="ko-KR" dirty="0"/>
           </a:p>
           <a:p>
             <a:r>
@@ -4642,6 +4690,14 @@
             <a:endParaRPr lang="en-US" altLang="ko-KR" dirty="0"/>
           </a:p>
           <a:p>
+            <a:r>
+              <a:rPr lang="en-US" altLang="ko-KR" dirty="0"/>
+              <a:t>   - </a:t>
+            </a:r>
+            <a:r>
+              <a:rPr lang="ko-KR" altLang="en-US" dirty="0"/>
+              <a:t>대시 게이지</a:t>
+            </a:r>
             <a:endParaRPr lang="en-US" altLang="ko-KR" dirty="0"/>
           </a:p>
           <a:p>
@@ -4773,6 +4829,498 @@
               <a:rPr lang="ko-KR" altLang="en-US" sz="3200" dirty="0">
                 <a:latin typeface="+mj-ea"/>
               </a:rPr>
+              <a:t>개발 내용</a:t>
+            </a:r>
+            <a:endParaRPr lang="ko-KR" altLang="en-US" sz="2400" dirty="0">
+              <a:latin typeface="+mj-ea"/>
+            </a:endParaRPr>
+          </a:p>
+        </p:txBody>
+      </p:sp>
+      <p:sp>
+        <p:nvSpPr>
+          <p:cNvPr id="9" name="TextBox 8">
+            <a:extLst>
+              <a:ext uri="{FF2B5EF4-FFF2-40B4-BE49-F238E27FC236}">
+                <a16:creationId xmlns:a16="http://schemas.microsoft.com/office/drawing/2014/main" id="{3BB695D8-755D-45A3-A5F6-F8A862EB339A}"/>
+              </a:ext>
+            </a:extLst>
+          </p:cNvPr>
+          <p:cNvSpPr txBox="1"/>
+          <p:nvPr/>
+        </p:nvSpPr>
+        <p:spPr>
+          <a:xfrm>
+            <a:off x="638175" y="1088528"/>
+            <a:ext cx="11553825" cy="6740307"/>
+          </a:xfrm>
+          <a:prstGeom prst="rect">
+            <a:avLst/>
+          </a:prstGeom>
+          <a:noFill/>
+        </p:spPr>
+        <p:txBody>
+          <a:bodyPr wrap="square" numCol="2" rtlCol="0">
+            <a:spAutoFit/>
+          </a:bodyPr>
+          <a:lstStyle/>
+          <a:p>
+            <a:r>
+              <a:rPr lang="en-US" altLang="ko-KR" b="1" dirty="0"/>
+              <a:t>7. </a:t>
+            </a:r>
+            <a:r>
+              <a:rPr lang="ko-KR" altLang="en-US" b="1" dirty="0"/>
+              <a:t>지형</a:t>
+            </a:r>
+            <a:endParaRPr lang="en-US" altLang="ko-KR" b="1" dirty="0"/>
+          </a:p>
+          <a:p>
+            <a:pPr marL="342900" indent="-342900">
+              <a:buAutoNum type="arabicPeriod"/>
+            </a:pPr>
+            <a:endParaRPr lang="en-US" altLang="ko-KR" b="1" dirty="0"/>
+          </a:p>
+          <a:p>
+            <a:r>
+              <a:rPr lang="en-US" altLang="ko-KR" dirty="0"/>
+              <a:t>   - </a:t>
+            </a:r>
+            <a:r>
+              <a:rPr lang="ko-KR" altLang="en-US" dirty="0"/>
+              <a:t>도넛</a:t>
+            </a:r>
+            <a:endParaRPr lang="en-US" altLang="ko-KR" dirty="0"/>
+          </a:p>
+          <a:p>
+            <a:pPr marL="342900" indent="-342900">
+              <a:buAutoNum type="arabicPeriod"/>
+            </a:pPr>
+            <a:endParaRPr lang="en-US" altLang="ko-KR" dirty="0"/>
+          </a:p>
+          <a:p>
+            <a:pPr marL="342900" indent="-342900">
+              <a:buAutoNum type="arabicPeriod"/>
+            </a:pPr>
+            <a:endParaRPr lang="en-US" altLang="ko-KR" dirty="0"/>
+          </a:p>
+          <a:p>
+            <a:pPr marL="342900" indent="-342900">
+              <a:buAutoNum type="arabicPeriod"/>
+            </a:pPr>
+            <a:endParaRPr lang="en-US" altLang="ko-KR" dirty="0"/>
+          </a:p>
+          <a:p>
+            <a:pPr marL="342900" indent="-342900">
+              <a:buAutoNum type="arabicPeriod"/>
+            </a:pPr>
+            <a:endParaRPr lang="en-US" altLang="ko-KR" dirty="0"/>
+          </a:p>
+          <a:p>
+            <a:pPr marL="342900" indent="-342900">
+              <a:buAutoNum type="arabicPeriod"/>
+            </a:pPr>
+            <a:endParaRPr lang="en-US" altLang="ko-KR" dirty="0"/>
+          </a:p>
+          <a:p>
+            <a:pPr marL="342900" indent="-342900">
+              <a:buAutoNum type="arabicPeriod"/>
+            </a:pPr>
+            <a:endParaRPr lang="en-US" altLang="ko-KR" dirty="0"/>
+          </a:p>
+          <a:p>
+            <a:pPr marL="342900" indent="-342900">
+              <a:buAutoNum type="arabicPeriod"/>
+            </a:pPr>
+            <a:endParaRPr lang="en-US" altLang="ko-KR" dirty="0"/>
+          </a:p>
+          <a:p>
+            <a:pPr marL="342900" indent="-342900">
+              <a:buAutoNum type="arabicPeriod"/>
+            </a:pPr>
+            <a:endParaRPr lang="en-US" altLang="ko-KR" dirty="0"/>
+          </a:p>
+          <a:p>
+            <a:r>
+              <a:rPr lang="en-US" altLang="ko-KR" dirty="0"/>
+              <a:t>   - </a:t>
+            </a:r>
+            <a:r>
+              <a:rPr lang="ko-KR" altLang="en-US" dirty="0"/>
+              <a:t>언덕</a:t>
+            </a:r>
+            <a:endParaRPr lang="en-US" altLang="ko-KR" dirty="0"/>
+          </a:p>
+          <a:p>
+            <a:endParaRPr lang="en-US" altLang="ko-KR" dirty="0"/>
+          </a:p>
+          <a:p>
+            <a:endParaRPr lang="en-US" altLang="ko-KR" dirty="0"/>
+          </a:p>
+          <a:p>
+            <a:endParaRPr lang="en-US" altLang="ko-KR" dirty="0"/>
+          </a:p>
+          <a:p>
+            <a:endParaRPr lang="en-US" altLang="ko-KR" dirty="0"/>
+          </a:p>
+          <a:p>
+            <a:endParaRPr lang="en-US" altLang="ko-KR" dirty="0"/>
+          </a:p>
+          <a:p>
+            <a:endParaRPr lang="en-US" altLang="ko-KR" dirty="0"/>
+          </a:p>
+          <a:p>
+            <a:endParaRPr lang="en-US" altLang="ko-KR" dirty="0"/>
+          </a:p>
+          <a:p>
+            <a:endParaRPr lang="en-US" altLang="ko-KR" dirty="0"/>
+          </a:p>
+          <a:p>
+            <a:endParaRPr lang="en-US" altLang="ko-KR" dirty="0"/>
+          </a:p>
+          <a:p>
+            <a:endParaRPr lang="en-US" altLang="ko-KR" dirty="0"/>
+          </a:p>
+          <a:p>
+            <a:endParaRPr lang="en-US" altLang="ko-KR" dirty="0"/>
+          </a:p>
+          <a:p>
+            <a:endParaRPr lang="en-US" altLang="ko-KR" dirty="0"/>
+          </a:p>
+          <a:p>
+            <a:pPr marL="285750" indent="-285750">
+              <a:buFontTx/>
+              <a:buChar char="-"/>
+            </a:pPr>
+            <a:endParaRPr lang="en-US" altLang="ko-KR" dirty="0"/>
+          </a:p>
+          <a:p>
+            <a:pPr marL="285750" indent="-285750">
+              <a:buFontTx/>
+              <a:buChar char="-"/>
+            </a:pPr>
+            <a:endParaRPr lang="en-US" altLang="ko-KR" dirty="0"/>
+          </a:p>
+          <a:p>
+            <a:pPr marL="285750" indent="-285750">
+              <a:buFontTx/>
+              <a:buChar char="-"/>
+            </a:pPr>
+            <a:r>
+              <a:rPr lang="ko-KR" altLang="en-US" dirty="0"/>
+              <a:t>급경사</a:t>
+            </a:r>
+            <a:endParaRPr lang="en-US" altLang="ko-KR" dirty="0"/>
+          </a:p>
+          <a:p>
+            <a:pPr marL="285750" indent="-285750">
+              <a:buFontTx/>
+              <a:buChar char="-"/>
+            </a:pPr>
+            <a:endParaRPr lang="en-US" altLang="ko-KR" dirty="0"/>
+          </a:p>
+          <a:p>
+            <a:pPr marL="285750" indent="-285750">
+              <a:buFontTx/>
+              <a:buChar char="-"/>
+            </a:pPr>
+            <a:endParaRPr lang="en-US" altLang="ko-KR" dirty="0"/>
+          </a:p>
+          <a:p>
+            <a:pPr marL="285750" indent="-285750">
+              <a:buFontTx/>
+              <a:buChar char="-"/>
+            </a:pPr>
+            <a:endParaRPr lang="en-US" altLang="ko-KR" dirty="0"/>
+          </a:p>
+          <a:p>
+            <a:endParaRPr lang="en-US" altLang="ko-KR" dirty="0"/>
+          </a:p>
+          <a:p>
+            <a:endParaRPr lang="en-US" altLang="ko-KR" dirty="0"/>
+          </a:p>
+          <a:p>
+            <a:endParaRPr lang="en-US" altLang="ko-KR" dirty="0"/>
+          </a:p>
+          <a:p>
+            <a:endParaRPr lang="en-US" altLang="ko-KR" dirty="0"/>
+          </a:p>
+          <a:p>
+            <a:pPr marL="285750" indent="-285750">
+              <a:buFontTx/>
+              <a:buChar char="-"/>
+            </a:pPr>
+            <a:endParaRPr lang="en-US" altLang="ko-KR" dirty="0"/>
+          </a:p>
+          <a:p>
+            <a:r>
+              <a:rPr lang="en-US" altLang="ko-KR" dirty="0"/>
+              <a:t>-   ?</a:t>
+            </a:r>
+          </a:p>
+          <a:p>
+            <a:endParaRPr lang="en-US" altLang="ko-KR" dirty="0"/>
+          </a:p>
+          <a:p>
+            <a:endParaRPr lang="en-US" altLang="ko-KR" dirty="0"/>
+          </a:p>
+          <a:p>
+            <a:pPr marL="342900" indent="-342900">
+              <a:buAutoNum type="arabicPeriod"/>
+            </a:pPr>
+            <a:endParaRPr lang="en-US" altLang="ko-KR" dirty="0"/>
+          </a:p>
+          <a:p>
+            <a:pPr marL="342900" indent="-342900">
+              <a:buAutoNum type="arabicPeriod"/>
+            </a:pPr>
+            <a:endParaRPr lang="en-US" altLang="ko-KR" dirty="0"/>
+          </a:p>
+          <a:p>
+            <a:pPr marL="342900" indent="-342900">
+              <a:buAutoNum type="arabicPeriod"/>
+            </a:pPr>
+            <a:endParaRPr lang="en-US" altLang="ko-KR" dirty="0"/>
+          </a:p>
+          <a:p>
+            <a:pPr marL="342900" indent="-342900">
+              <a:buAutoNum type="arabicPeriod"/>
+            </a:pPr>
+            <a:endParaRPr lang="en-US" altLang="ko-KR" b="1" dirty="0"/>
+          </a:p>
+          <a:p>
+            <a:pPr marL="342900" indent="-342900">
+              <a:buAutoNum type="arabicPeriod"/>
+            </a:pPr>
+            <a:endParaRPr lang="en-US" altLang="ko-KR" b="1" dirty="0"/>
+          </a:p>
+          <a:p>
+            <a:pPr marL="342900" indent="-342900">
+              <a:buAutoNum type="arabicPeriod"/>
+            </a:pPr>
+            <a:endParaRPr lang="en-US" altLang="ko-KR" b="1" dirty="0"/>
+          </a:p>
+          <a:p>
+            <a:r>
+              <a:rPr lang="en-US" altLang="ko-KR" dirty="0"/>
+              <a:t>   </a:t>
+            </a:r>
+          </a:p>
+          <a:p>
+            <a:endParaRPr lang="en-US" altLang="ko-KR" b="1" dirty="0"/>
+          </a:p>
+          <a:p>
+            <a:endParaRPr lang="en-US" altLang="ko-KR" b="1" dirty="0"/>
+          </a:p>
+        </p:txBody>
+      </p:sp>
+      <p:pic>
+        <p:nvPicPr>
+          <p:cNvPr id="5" name="그림 4">
+            <a:extLst>
+              <a:ext uri="{FF2B5EF4-FFF2-40B4-BE49-F238E27FC236}">
+                <a16:creationId xmlns:a16="http://schemas.microsoft.com/office/drawing/2014/main" id="{3A2031D8-5112-4CDB-A260-9710A9FE4522}"/>
+              </a:ext>
+            </a:extLst>
+          </p:cNvPr>
+          <p:cNvPicPr>
+            <a:picLocks noChangeAspect="1"/>
+          </p:cNvPicPr>
+          <p:nvPr/>
+        </p:nvPicPr>
+        <p:blipFill>
+          <a:blip r:embed="rId2"/>
+          <a:stretch>
+            <a:fillRect/>
+          </a:stretch>
+        </p:blipFill>
+        <p:spPr>
+          <a:xfrm>
+            <a:off x="1937227" y="1917147"/>
+            <a:ext cx="2991267" cy="1219370"/>
+          </a:xfrm>
+          <a:prstGeom prst="rect">
+            <a:avLst/>
+          </a:prstGeom>
+        </p:spPr>
+      </p:pic>
+      <p:pic>
+        <p:nvPicPr>
+          <p:cNvPr id="7" name="그림 6">
+            <a:extLst>
+              <a:ext uri="{FF2B5EF4-FFF2-40B4-BE49-F238E27FC236}">
+                <a16:creationId xmlns:a16="http://schemas.microsoft.com/office/drawing/2014/main" id="{1749F2F4-82BE-40FE-B891-007F745F68D2}"/>
+              </a:ext>
+            </a:extLst>
+          </p:cNvPr>
+          <p:cNvPicPr>
+            <a:picLocks noChangeAspect="1"/>
+          </p:cNvPicPr>
+          <p:nvPr/>
+        </p:nvPicPr>
+        <p:blipFill>
+          <a:blip r:embed="rId3"/>
+          <a:stretch>
+            <a:fillRect/>
+          </a:stretch>
+        </p:blipFill>
+        <p:spPr>
+          <a:xfrm>
+            <a:off x="1937227" y="4662927"/>
+            <a:ext cx="3888758" cy="1295581"/>
+          </a:xfrm>
+          <a:prstGeom prst="rect">
+            <a:avLst/>
+          </a:prstGeom>
+        </p:spPr>
+      </p:pic>
+      <p:pic>
+        <p:nvPicPr>
+          <p:cNvPr id="11" name="그림 10">
+            <a:extLst>
+              <a:ext uri="{FF2B5EF4-FFF2-40B4-BE49-F238E27FC236}">
+                <a16:creationId xmlns:a16="http://schemas.microsoft.com/office/drawing/2014/main" id="{4A48CB0A-CC7A-4075-80EB-8C02B76A8A63}"/>
+              </a:ext>
+            </a:extLst>
+          </p:cNvPr>
+          <p:cNvPicPr>
+            <a:picLocks noChangeAspect="1"/>
+          </p:cNvPicPr>
+          <p:nvPr/>
+        </p:nvPicPr>
+        <p:blipFill>
+          <a:blip r:embed="rId4"/>
+          <a:stretch>
+            <a:fillRect/>
+          </a:stretch>
+        </p:blipFill>
+        <p:spPr>
+          <a:xfrm>
+            <a:off x="7517877" y="4324743"/>
+            <a:ext cx="2124371" cy="1971950"/>
+          </a:xfrm>
+          <a:prstGeom prst="rect">
+            <a:avLst/>
+          </a:prstGeom>
+        </p:spPr>
+      </p:pic>
+      <p:pic>
+        <p:nvPicPr>
+          <p:cNvPr id="13" name="그림 12">
+            <a:extLst>
+              <a:ext uri="{FF2B5EF4-FFF2-40B4-BE49-F238E27FC236}">
+                <a16:creationId xmlns:a16="http://schemas.microsoft.com/office/drawing/2014/main" id="{943FDBDC-661A-494D-B921-FCFEFBDB7685}"/>
+              </a:ext>
+            </a:extLst>
+          </p:cNvPr>
+          <p:cNvPicPr>
+            <a:picLocks noChangeAspect="1"/>
+          </p:cNvPicPr>
+          <p:nvPr/>
+        </p:nvPicPr>
+        <p:blipFill>
+          <a:blip r:embed="rId5"/>
+          <a:stretch>
+            <a:fillRect/>
+          </a:stretch>
+        </p:blipFill>
+        <p:spPr>
+          <a:xfrm>
+            <a:off x="7657920" y="1917147"/>
+            <a:ext cx="3222924" cy="1981586"/>
+          </a:xfrm>
+          <a:prstGeom prst="rect">
+            <a:avLst/>
+          </a:prstGeom>
+        </p:spPr>
+      </p:pic>
+    </p:spTree>
+    <p:extLst>
+      <p:ext uri="{BB962C8B-B14F-4D97-AF65-F5344CB8AC3E}">
+        <p14:creationId xmlns:p14="http://schemas.microsoft.com/office/powerpoint/2010/main" val="3818465733"/>
+      </p:ext>
+    </p:extLst>
+  </p:cSld>
+  <p:clrMapOvr>
+    <a:masterClrMapping/>
+  </p:clrMapOvr>
+</p:sld>
+</file>
+
+<file path=ppt/slides/slide5.xml><?xml version="1.0" encoding="utf-8"?>
+<p:sld xmlns:a="http://schemas.openxmlformats.org/drawingml/2006/main" xmlns:r="http://schemas.openxmlformats.org/officeDocument/2006/relationships" xmlns:p="http://schemas.openxmlformats.org/presentationml/2006/main">
+  <p:cSld>
+    <p:spTree>
+      <p:nvGrpSpPr>
+        <p:cNvPr id="1" name=""/>
+        <p:cNvGrpSpPr/>
+        <p:nvPr/>
+      </p:nvGrpSpPr>
+      <p:grpSpPr>
+        <a:xfrm>
+          <a:off x="0" y="0"/>
+          <a:ext cx="0" cy="0"/>
+          <a:chOff x="0" y="0"/>
+          <a:chExt cx="0" cy="0"/>
+        </a:xfrm>
+      </p:grpSpPr>
+      <p:sp>
+        <p:nvSpPr>
+          <p:cNvPr id="8" name="제목 1">
+            <a:extLst>
+              <a:ext uri="{FF2B5EF4-FFF2-40B4-BE49-F238E27FC236}">
+                <a16:creationId xmlns:a16="http://schemas.microsoft.com/office/drawing/2014/main" id="{1A8DDC43-31B8-42DC-B0A1-884BB3471210}"/>
+              </a:ext>
+            </a:extLst>
+          </p:cNvPr>
+          <p:cNvSpPr txBox="1">
+            <a:spLocks/>
+          </p:cNvSpPr>
+          <p:nvPr/>
+        </p:nvSpPr>
+        <p:spPr>
+          <a:xfrm>
+            <a:off x="0" y="0"/>
+            <a:ext cx="12192000" cy="1325563"/>
+          </a:xfrm>
+          <a:prstGeom prst="rect">
+            <a:avLst/>
+          </a:prstGeom>
+        </p:spPr>
+        <p:txBody>
+          <a:bodyPr vert="horz" lIns="91440" tIns="45720" rIns="91440" bIns="45720" rtlCol="0" anchor="ctr">
+            <a:normAutofit/>
+          </a:bodyPr>
+          <a:lstStyle>
+            <a:lvl1pPr algn="l" defTabSz="914400" rtl="0" eaLnBrk="1" latinLnBrk="1" hangingPunct="1">
+              <a:lnSpc>
+                <a:spcPct val="90000"/>
+              </a:lnSpc>
+              <a:spcBef>
+                <a:spcPct val="0"/>
+              </a:spcBef>
+              <a:buNone/>
+              <a:defRPr sz="4400" kern="1200">
+                <a:solidFill>
+                  <a:schemeClr val="tx1"/>
+                </a:solidFill>
+                <a:latin typeface="+mj-lt"/>
+                <a:ea typeface="+mj-ea"/>
+                <a:cs typeface="+mj-cs"/>
+              </a:defRPr>
+            </a:lvl1pPr>
+          </a:lstStyle>
+          <a:p>
+            <a:r>
+              <a:rPr lang="en-US" altLang="ko-KR" sz="3200" dirty="0">
+                <a:latin typeface="+mj-ea"/>
+              </a:rPr>
+              <a:t>2. </a:t>
+            </a:r>
+            <a:r>
+              <a:rPr lang="ko-KR" altLang="en-US" sz="3200" dirty="0">
+                <a:latin typeface="+mj-ea"/>
+              </a:rPr>
               <a:t>개발 일정</a:t>
             </a:r>
             <a:endParaRPr lang="ko-KR" altLang="en-US" sz="2400" dirty="0">
@@ -4796,7 +5344,7 @@
           <p:nvPr>
             <p:extLst>
               <p:ext uri="{D42A27DB-BD31-4B8C-83A1-F6EECF244321}">
-                <p14:modId xmlns:p14="http://schemas.microsoft.com/office/powerpoint/2010/main" val="3023117022"/>
+                <p14:modId xmlns:p14="http://schemas.microsoft.com/office/powerpoint/2010/main" val="148071757"/>
               </p:ext>
             </p:extLst>
           </p:nvPr>
@@ -4991,7 +5539,7 @@
                       <a:pPr algn="ctr" latinLnBrk="1"/>
                       <a:r>
                         <a:rPr lang="ko-KR" altLang="en-US" sz="1600" dirty="0"/>
-                        <a:t>기본 애니메이션 변경</a:t>
+                        <a:t>캐릭터 조작 및 애니메이션</a:t>
                       </a:r>
                       <a:endParaRPr lang="en-US" altLang="ko-KR" sz="1600" dirty="0"/>
                     </a:p>
@@ -5610,6 +6158,19 @@
                         <a:rPr lang="ko-KR" altLang="en-US" sz="1600" dirty="0"/>
                         <a:t>스테이지</a:t>
                       </a:r>
+                      <a:r>
+                        <a:rPr lang="en-US" altLang="ko-KR" sz="1600" dirty="0"/>
+                        <a:t>(</a:t>
+                      </a:r>
+                      <a:r>
+                        <a:rPr lang="ko-KR" altLang="en-US" sz="1600" dirty="0"/>
+                        <a:t>지형</a:t>
+                      </a:r>
+                      <a:r>
+                        <a:rPr lang="en-US" altLang="ko-KR" sz="1600" dirty="0"/>
+                        <a:t>)</a:t>
+                      </a:r>
+                      <a:endParaRPr lang="ko-KR" altLang="en-US" sz="1600" dirty="0"/>
                     </a:p>
                   </a:txBody>
                   <a:tcPr anchor="ctr">
@@ -6072,6 +6633,152 @@
     <p:extLst>
       <p:ext uri="{BB962C8B-B14F-4D97-AF65-F5344CB8AC3E}">
         <p14:creationId xmlns:p14="http://schemas.microsoft.com/office/powerpoint/2010/main" val="3561606131"/>
+      </p:ext>
+    </p:extLst>
+  </p:cSld>
+  <p:clrMapOvr>
+    <a:masterClrMapping/>
+  </p:clrMapOvr>
+</p:sld>
+</file>
+
+<file path=ppt/slides/slide6.xml><?xml version="1.0" encoding="utf-8"?>
+<p:sld xmlns:a="http://schemas.openxmlformats.org/drawingml/2006/main" xmlns:r="http://schemas.openxmlformats.org/officeDocument/2006/relationships" xmlns:p="http://schemas.openxmlformats.org/presentationml/2006/main">
+  <p:cSld>
+    <p:spTree>
+      <p:nvGrpSpPr>
+        <p:cNvPr id="1" name=""/>
+        <p:cNvGrpSpPr/>
+        <p:nvPr/>
+      </p:nvGrpSpPr>
+      <p:grpSpPr>
+        <a:xfrm>
+          <a:off x="0" y="0"/>
+          <a:ext cx="0" cy="0"/>
+          <a:chOff x="0" y="0"/>
+          <a:chExt cx="0" cy="0"/>
+        </a:xfrm>
+      </p:grpSpPr>
+      <p:sp>
+        <p:nvSpPr>
+          <p:cNvPr id="2" name="제목 1">
+            <a:extLst>
+              <a:ext uri="{FF2B5EF4-FFF2-40B4-BE49-F238E27FC236}">
+                <a16:creationId xmlns:a16="http://schemas.microsoft.com/office/drawing/2014/main" id="{7078F230-E8F3-4839-8B21-AAD3547E6AD8}"/>
+              </a:ext>
+            </a:extLst>
+          </p:cNvPr>
+          <p:cNvSpPr>
+            <a:spLocks noGrp="1"/>
+          </p:cNvSpPr>
+          <p:nvPr>
+            <p:ph type="title"/>
+          </p:nvPr>
+        </p:nvSpPr>
+        <p:spPr/>
+        <p:txBody>
+          <a:bodyPr/>
+          <a:lstStyle/>
+          <a:p>
+            <a:endParaRPr lang="ko-KR" altLang="en-US"/>
+          </a:p>
+        </p:txBody>
+      </p:sp>
+      <p:sp>
+        <p:nvSpPr>
+          <p:cNvPr id="3" name="내용 개체 틀 2">
+            <a:extLst>
+              <a:ext uri="{FF2B5EF4-FFF2-40B4-BE49-F238E27FC236}">
+                <a16:creationId xmlns:a16="http://schemas.microsoft.com/office/drawing/2014/main" id="{1270E9B9-0BEA-4A27-9C00-DB8A36380C92}"/>
+              </a:ext>
+            </a:extLst>
+          </p:cNvPr>
+          <p:cNvSpPr>
+            <a:spLocks noGrp="1"/>
+          </p:cNvSpPr>
+          <p:nvPr>
+            <p:ph idx="1"/>
+          </p:nvPr>
+        </p:nvSpPr>
+        <p:spPr/>
+        <p:txBody>
+          <a:bodyPr/>
+          <a:lstStyle/>
+          <a:p>
+            <a:pPr marL="0" indent="0">
+              <a:buNone/>
+            </a:pPr>
+            <a:r>
+              <a:rPr lang="en-US" altLang="ko-KR" dirty="0"/>
+              <a:t>2-3</a:t>
+            </a:r>
+            <a:r>
+              <a:rPr lang="ko-KR" altLang="en-US" dirty="0"/>
+              <a:t>인칭</a:t>
+            </a:r>
+            <a:endParaRPr lang="en-US" altLang="ko-KR" dirty="0"/>
+          </a:p>
+          <a:p>
+            <a:pPr marL="0" indent="0">
+              <a:buNone/>
+            </a:pPr>
+            <a:endParaRPr lang="en-US" altLang="ko-KR" dirty="0"/>
+          </a:p>
+          <a:p>
+            <a:pPr marL="0" indent="0">
+              <a:buNone/>
+            </a:pPr>
+            <a:r>
+              <a:rPr lang="en-US" altLang="ko-KR" dirty="0"/>
+              <a:t>6- </a:t>
+            </a:r>
+            <a:r>
+              <a:rPr lang="ko-KR" altLang="en-US" dirty="0"/>
+              <a:t>카메라</a:t>
+            </a:r>
+            <a:endParaRPr lang="en-US" altLang="ko-KR" dirty="0"/>
+          </a:p>
+          <a:p>
+            <a:pPr marL="0" indent="0">
+              <a:buNone/>
+            </a:pPr>
+            <a:r>
+              <a:rPr lang="en-US" altLang="ko-KR" dirty="0"/>
+              <a:t>7- </a:t>
+            </a:r>
+            <a:r>
+              <a:rPr lang="ko-KR" altLang="en-US" dirty="0"/>
+              <a:t>기본 조작</a:t>
+            </a:r>
+            <a:endParaRPr lang="en-US" altLang="ko-KR" dirty="0"/>
+          </a:p>
+          <a:p>
+            <a:pPr marL="0" indent="0">
+              <a:buNone/>
+            </a:pPr>
+            <a:r>
+              <a:rPr lang="en-US" altLang="ko-KR" dirty="0"/>
+              <a:t>8- </a:t>
+            </a:r>
+            <a:r>
+              <a:rPr lang="ko-KR" altLang="en-US" dirty="0"/>
+              <a:t>점프</a:t>
+            </a:r>
+            <a:r>
+              <a:rPr lang="en-US" altLang="ko-KR" dirty="0"/>
+              <a:t>/</a:t>
+            </a:r>
+            <a:r>
+              <a:rPr lang="ko-KR" altLang="en-US" dirty="0"/>
+              <a:t>공격</a:t>
+            </a:r>
+          </a:p>
+        </p:txBody>
+      </p:sp>
+    </p:spTree>
+    <p:extLst>
+      <p:ext uri="{BB962C8B-B14F-4D97-AF65-F5344CB8AC3E}">
+        <p14:creationId xmlns:p14="http://schemas.microsoft.com/office/powerpoint/2010/main" val="2759281394"/>
       </p:ext>
     </p:extLst>
   </p:cSld>
